--- a/slides/03_heterogeneity.pptx
+++ b/slides/03_heterogeneity.pptx
@@ -271,7 +271,7 @@
           <a:p>
             <a:fld id="{A5B9E9DD-BE87-46D0-98E6-18D835742F3D}" type="datetimeFigureOut">
               <a:rPr lang="en-US" smtClean="0"/>
-              <a:t>3/8/22</a:t>
+              <a:t>3/8/2022</a:t>
             </a:fld>
             <a:endParaRPr lang="en-US"/>
           </a:p>
@@ -5385,7 +5385,7 @@
         </p:nvSpPr>
         <p:spPr>
           <a:xfrm>
-            <a:off x="838200" y="1317745"/>
+            <a:off x="644878" y="1366154"/>
             <a:ext cx="10515600" cy="5055346"/>
           </a:xfrm>
         </p:spPr>
@@ -5842,8 +5842,8 @@
           </a:p>
         </p:txBody>
       </p:sp>
-      <mc:AlternateContent xmlns:mc="http://schemas.openxmlformats.org/markup-compatibility/2006">
-        <mc:Choice xmlns:a14="http://schemas.microsoft.com/office/drawing/2010/main" Requires="a14">
+      <mc:AlternateContent xmlns:mc="http://schemas.openxmlformats.org/markup-compatibility/2006" xmlns:a14="http://schemas.microsoft.com/office/drawing/2010/main">
+        <mc:Choice Requires="a14">
           <p:sp>
             <p:nvSpPr>
               <p:cNvPr id="5" name="Content Placeholder 4">
@@ -5975,7 +5975,7 @@
             </p:txBody>
           </p:sp>
         </mc:Choice>
-        <mc:Fallback>
+        <mc:Fallback xmlns="">
           <p:sp>
             <p:nvSpPr>
               <p:cNvPr id="5" name="Content Placeholder 4">
@@ -6079,8 +6079,8 @@
           </a:p>
         </p:txBody>
       </p:sp>
-      <mc:AlternateContent xmlns:mc="http://schemas.openxmlformats.org/markup-compatibility/2006">
-        <mc:Choice xmlns:a14="http://schemas.microsoft.com/office/drawing/2010/main" Requires="a14">
+      <mc:AlternateContent xmlns:mc="http://schemas.openxmlformats.org/markup-compatibility/2006" xmlns:a14="http://schemas.microsoft.com/office/drawing/2010/main">
+        <mc:Choice Requires="a14">
           <p:sp>
             <p:nvSpPr>
               <p:cNvPr id="5" name="Content Placeholder 4">
@@ -6622,7 +6622,7 @@
             </p:txBody>
           </p:sp>
         </mc:Choice>
-        <mc:Fallback>
+        <mc:Fallback xmlns="">
           <p:sp>
             <p:nvSpPr>
               <p:cNvPr id="5" name="Content Placeholder 4">
@@ -12743,6 +12743,12 @@
 </file>
 
 <file path=customXml/item2.xml><?xml version="1.0" encoding="utf-8"?>
+<p:properties xmlns:p="http://schemas.microsoft.com/office/2006/metadata/properties" xmlns:xsi="http://www.w3.org/2001/XMLSchema-instance" xmlns:pc="http://schemas.microsoft.com/office/infopath/2007/PartnerControls">
+  <documentManagement/>
+</p:properties>
+</file>
+
+<file path=customXml/item3.xml><?xml version="1.0" encoding="utf-8"?>
 <ct:contentTypeSchema xmlns:ct="http://schemas.microsoft.com/office/2006/metadata/contentType" xmlns:ma="http://schemas.microsoft.com/office/2006/metadata/properties/metaAttributes" ct:_="" ma:_="" ma:contentTypeName="Document" ma:contentTypeID="0x010100C510C8780454A64385BF21049B1850C5" ma:contentTypeVersion="7" ma:contentTypeDescription="Create a new document." ma:contentTypeScope="" ma:versionID="47a68a81adc4e0e7972bb95a1a99f0b4">
   <xsd:schema xmlns:xsd="http://www.w3.org/2001/XMLSchema" xmlns:xs="http://www.w3.org/2001/XMLSchema" xmlns:p="http://schemas.microsoft.com/office/2006/metadata/properties" xmlns:ns2="d0331357-42e6-4e40-bf0a-1c2f9464db1b" targetNamespace="http://schemas.microsoft.com/office/2006/metadata/properties" ma:root="true" ma:fieldsID="01ec8d09ee7b5b75bd0cb813fd513e00" ns2:_="">
     <xsd:import namespace="d0331357-42e6-4e40-bf0a-1c2f9464db1b"/>
@@ -12906,12 +12912,6 @@
 </ct:contentTypeSchema>
 </file>
 
-<file path=customXml/item3.xml><?xml version="1.0" encoding="utf-8"?>
-<p:properties xmlns:p="http://schemas.microsoft.com/office/2006/metadata/properties" xmlns:xsi="http://www.w3.org/2001/XMLSchema-instance" xmlns:pc="http://schemas.microsoft.com/office/infopath/2007/PartnerControls">
-  <documentManagement/>
-</p:properties>
-</file>
-
 <file path=customXml/itemProps1.xml><?xml version="1.0" encoding="utf-8"?>
 <ds:datastoreItem xmlns:ds="http://schemas.openxmlformats.org/officeDocument/2006/customXml" ds:itemID="{65F011C9-6572-4E3B-BA4C-E687532965A9}">
   <ds:schemaRefs>
@@ -12921,6 +12921,22 @@
 </file>
 
 <file path=customXml/itemProps2.xml><?xml version="1.0" encoding="utf-8"?>
+<ds:datastoreItem xmlns:ds="http://schemas.openxmlformats.org/officeDocument/2006/customXml" ds:itemID="{11197415-BC9D-4352-8615-FFE6194E5163}">
+  <ds:schemaRefs>
+    <ds:schemaRef ds:uri="http://schemas.microsoft.com/office/2006/documentManagement/types"/>
+    <ds:schemaRef ds:uri="http://purl.org/dc/elements/1.1/"/>
+    <ds:schemaRef ds:uri="http://schemas.microsoft.com/office/2006/metadata/properties"/>
+    <ds:schemaRef ds:uri="d0331357-42e6-4e40-bf0a-1c2f9464db1b"/>
+    <ds:schemaRef ds:uri="http://www.w3.org/XML/1998/namespace"/>
+    <ds:schemaRef ds:uri="http://purl.org/dc/terms/"/>
+    <ds:schemaRef ds:uri="http://purl.org/dc/dcmitype/"/>
+    <ds:schemaRef ds:uri="http://schemas.microsoft.com/office/infopath/2007/PartnerControls"/>
+    <ds:schemaRef ds:uri="http://schemas.openxmlformats.org/package/2006/metadata/core-properties"/>
+  </ds:schemaRefs>
+</ds:datastoreItem>
+</file>
+
+<file path=customXml/itemProps3.xml><?xml version="1.0" encoding="utf-8"?>
 <ds:datastoreItem xmlns:ds="http://schemas.openxmlformats.org/officeDocument/2006/customXml" ds:itemID="{8E01F417-FF7B-490D-BC83-D2E21BA12BB0}">
   <ds:schemaRefs>
     <ds:schemaRef ds:uri="d0331357-42e6-4e40-bf0a-1c2f9464db1b"/>
@@ -12936,20 +12952,4 @@
     <ds:schemaRef ds:uri="http://www.w3.org/2001/XMLSchema"/>
   </ds:schemaRefs>
 </ds:datastoreItem>
-</file>
-
-<file path=customXml/itemProps3.xml><?xml version="1.0" encoding="utf-8"?>
-<ds:datastoreItem xmlns:ds="http://schemas.openxmlformats.org/officeDocument/2006/customXml" ds:itemID="{11197415-BC9D-4352-8615-FFE6194E5163}">
-  <ds:schemaRefs>
-    <ds:schemaRef ds:uri="http://schemas.microsoft.com/office/2006/documentManagement/types"/>
-    <ds:schemaRef ds:uri="http://purl.org/dc/elements/1.1/"/>
-    <ds:schemaRef ds:uri="http://schemas.microsoft.com/office/2006/metadata/properties"/>
-    <ds:schemaRef ds:uri="d0331357-42e6-4e40-bf0a-1c2f9464db1b"/>
-    <ds:schemaRef ds:uri="http://www.w3.org/XML/1998/namespace"/>
-    <ds:schemaRef ds:uri="http://purl.org/dc/terms/"/>
-    <ds:schemaRef ds:uri="http://purl.org/dc/dcmitype/"/>
-    <ds:schemaRef ds:uri="http://schemas.microsoft.com/office/infopath/2007/PartnerControls"/>
-    <ds:schemaRef ds:uri="http://schemas.openxmlformats.org/package/2006/metadata/core-properties"/>
-  </ds:schemaRefs>
-</ds:datastoreItem>
 </file>
--- a/slides/03_heterogeneity.pptx
+++ b/slides/03_heterogeneity.pptx
@@ -271,7 +271,7 @@
           <a:p>
             <a:fld id="{A5B9E9DD-BE87-46D0-98E6-18D835742F3D}" type="datetimeFigureOut">
               <a:rPr lang="en-US" smtClean="0"/>
-              <a:t>3/8/2022</a:t>
+              <a:t>3/7/23</a:t>
             </a:fld>
             <a:endParaRPr lang="en-US"/>
           </a:p>
@@ -3790,8 +3790,8 @@
           </a:p>
         </p:txBody>
       </p:sp>
-      <mc:AlternateContent xmlns:mc="http://schemas.openxmlformats.org/markup-compatibility/2006" xmlns:a14="http://schemas.microsoft.com/office/drawing/2010/main">
-        <mc:Choice Requires="a14">
+      <mc:AlternateContent xmlns:mc="http://schemas.openxmlformats.org/markup-compatibility/2006">
+        <mc:Choice xmlns:a14="http://schemas.microsoft.com/office/drawing/2010/main" Requires="a14">
           <p:sp>
             <p:nvSpPr>
               <p:cNvPr id="3" name="Content Placeholder 2">
@@ -4081,7 +4081,7 @@
             </p:txBody>
           </p:sp>
         </mc:Choice>
-        <mc:Fallback xmlns="">
+        <mc:Fallback>
           <p:sp>
             <p:nvSpPr>
               <p:cNvPr id="3" name="Content Placeholder 2">
@@ -4388,8 +4388,8 @@
           </a:p>
         </p:txBody>
       </p:sp>
-      <mc:AlternateContent xmlns:mc="http://schemas.openxmlformats.org/markup-compatibility/2006" xmlns:a14="http://schemas.microsoft.com/office/drawing/2010/main">
-        <mc:Choice Requires="a14">
+      <mc:AlternateContent xmlns:mc="http://schemas.openxmlformats.org/markup-compatibility/2006">
+        <mc:Choice xmlns:a14="http://schemas.microsoft.com/office/drawing/2010/main" Requires="a14">
           <p:sp>
             <p:nvSpPr>
               <p:cNvPr id="3" name="Content Placeholder 2"/>
@@ -4837,10 +4837,6 @@
               </a:p>
               <a:p>
                 <a:pPr lvl="1"/>
-                <a:endParaRPr lang="en-US" dirty="0"/>
-              </a:p>
-              <a:p>
-                <a:pPr lvl="1"/>
                 <a:r>
                   <a:rPr lang="en-US" dirty="0"/>
                   <a:t>“How much might the estimate of </a:t>
@@ -4875,7 +4871,7 @@
             </p:txBody>
           </p:sp>
         </mc:Choice>
-        <mc:Fallback xmlns="">
+        <mc:Fallback>
           <p:sp>
             <p:nvSpPr>
               <p:cNvPr id="3" name="Content Placeholder 2"/>
@@ -5568,10 +5564,15 @@
             <p:ph type="title"/>
           </p:nvPr>
         </p:nvSpPr>
-        <p:spPr/>
+        <p:spPr>
+          <a:xfrm>
+            <a:off x="838200" y="172179"/>
+            <a:ext cx="10515600" cy="711988"/>
+          </a:xfrm>
+        </p:spPr>
         <p:txBody>
           <a:bodyPr>
-            <a:normAutofit fontScale="90000"/>
+            <a:normAutofit/>
           </a:bodyPr>
           <a:lstStyle/>
           <a:p>
@@ -5831,7 +5832,7 @@
         <p:spPr/>
         <p:txBody>
           <a:bodyPr>
-            <a:normAutofit fontScale="90000"/>
+            <a:normAutofit/>
           </a:bodyPr>
           <a:lstStyle/>
           <a:p>
@@ -6068,7 +6069,7 @@
         <p:spPr/>
         <p:txBody>
           <a:bodyPr>
-            <a:normAutofit fontScale="90000"/>
+            <a:normAutofit/>
           </a:bodyPr>
           <a:lstStyle/>
           <a:p>
@@ -6765,7 +6766,7 @@
         </p:blipFill>
         <p:spPr>
           <a:xfrm>
-            <a:off x="5829597" y="0"/>
+            <a:off x="5867993" y="226503"/>
             <a:ext cx="6324007" cy="6845020"/>
           </a:xfrm>
           <a:prstGeom prst="rect">
@@ -12734,21 +12735,6 @@
 </file>
 
 <file path=customXml/item1.xml><?xml version="1.0" encoding="utf-8"?>
-<?mso-contentType ?>
-<FormTemplates xmlns="http://schemas.microsoft.com/sharepoint/v3/contenttype/forms">
-  <Display>DocumentLibraryForm</Display>
-  <Edit>DocumentLibraryForm</Edit>
-  <New>DocumentLibraryForm</New>
-</FormTemplates>
-</file>
-
-<file path=customXml/item2.xml><?xml version="1.0" encoding="utf-8"?>
-<p:properties xmlns:p="http://schemas.microsoft.com/office/2006/metadata/properties" xmlns:xsi="http://www.w3.org/2001/XMLSchema-instance" xmlns:pc="http://schemas.microsoft.com/office/infopath/2007/PartnerControls">
-  <documentManagement/>
-</p:properties>
-</file>
-
-<file path=customXml/item3.xml><?xml version="1.0" encoding="utf-8"?>
 <ct:contentTypeSchema xmlns:ct="http://schemas.microsoft.com/office/2006/metadata/contentType" xmlns:ma="http://schemas.microsoft.com/office/2006/metadata/properties/metaAttributes" ct:_="" ma:_="" ma:contentTypeName="Document" ma:contentTypeID="0x010100C510C8780454A64385BF21049B1850C5" ma:contentTypeVersion="7" ma:contentTypeDescription="Create a new document." ma:contentTypeScope="" ma:versionID="47a68a81adc4e0e7972bb95a1a99f0b4">
   <xsd:schema xmlns:xsd="http://www.w3.org/2001/XMLSchema" xmlns:xs="http://www.w3.org/2001/XMLSchema" xmlns:p="http://schemas.microsoft.com/office/2006/metadata/properties" xmlns:ns2="d0331357-42e6-4e40-bf0a-1c2f9464db1b" targetNamespace="http://schemas.microsoft.com/office/2006/metadata/properties" ma:root="true" ma:fieldsID="01ec8d09ee7b5b75bd0cb813fd513e00" ns2:_="">
     <xsd:import namespace="d0331357-42e6-4e40-bf0a-1c2f9464db1b"/>
@@ -12912,10 +12898,35 @@
 </ct:contentTypeSchema>
 </file>
 
+<file path=customXml/item2.xml><?xml version="1.0" encoding="utf-8"?>
+<p:properties xmlns:p="http://schemas.microsoft.com/office/2006/metadata/properties" xmlns:xsi="http://www.w3.org/2001/XMLSchema-instance" xmlns:pc="http://schemas.microsoft.com/office/infopath/2007/PartnerControls">
+  <documentManagement/>
+</p:properties>
+</file>
+
+<file path=customXml/item3.xml><?xml version="1.0" encoding="utf-8"?>
+<?mso-contentType ?>
+<FormTemplates xmlns="http://schemas.microsoft.com/sharepoint/v3/contenttype/forms">
+  <Display>DocumentLibraryForm</Display>
+  <Edit>DocumentLibraryForm</Edit>
+  <New>DocumentLibraryForm</New>
+</FormTemplates>
+</file>
+
 <file path=customXml/itemProps1.xml><?xml version="1.0" encoding="utf-8"?>
-<ds:datastoreItem xmlns:ds="http://schemas.openxmlformats.org/officeDocument/2006/customXml" ds:itemID="{65F011C9-6572-4E3B-BA4C-E687532965A9}">
+<ds:datastoreItem xmlns:ds="http://schemas.openxmlformats.org/officeDocument/2006/customXml" ds:itemID="{8E01F417-FF7B-490D-BC83-D2E21BA12BB0}">
   <ds:schemaRefs>
-    <ds:schemaRef ds:uri="http://schemas.microsoft.com/sharepoint/v3/contenttype/forms"/>
+    <ds:schemaRef ds:uri="d0331357-42e6-4e40-bf0a-1c2f9464db1b"/>
+    <ds:schemaRef ds:uri="http://purl.org/dc/elements/1.1/"/>
+    <ds:schemaRef ds:uri="http://purl.org/dc/terms/"/>
+    <ds:schemaRef ds:uri="http://schemas.microsoft.com/internal/obd"/>
+    <ds:schemaRef ds:uri="http://schemas.microsoft.com/office/2006/documentManagement/types"/>
+    <ds:schemaRef ds:uri="http://schemas.microsoft.com/office/2006/metadata/contentType"/>
+    <ds:schemaRef ds:uri="http://schemas.microsoft.com/office/2006/metadata/properties"/>
+    <ds:schemaRef ds:uri="http://schemas.microsoft.com/office/2006/metadata/properties/metaAttributes"/>
+    <ds:schemaRef ds:uri="http://schemas.microsoft.com/office/infopath/2007/PartnerControls"/>
+    <ds:schemaRef ds:uri="http://schemas.openxmlformats.org/package/2006/metadata/core-properties"/>
+    <ds:schemaRef ds:uri="http://www.w3.org/2001/XMLSchema"/>
   </ds:schemaRefs>
 </ds:datastoreItem>
 </file>
@@ -12937,19 +12948,9 @@
 </file>
 
 <file path=customXml/itemProps3.xml><?xml version="1.0" encoding="utf-8"?>
-<ds:datastoreItem xmlns:ds="http://schemas.openxmlformats.org/officeDocument/2006/customXml" ds:itemID="{8E01F417-FF7B-490D-BC83-D2E21BA12BB0}">
+<ds:datastoreItem xmlns:ds="http://schemas.openxmlformats.org/officeDocument/2006/customXml" ds:itemID="{65F011C9-6572-4E3B-BA4C-E687532965A9}">
   <ds:schemaRefs>
-    <ds:schemaRef ds:uri="d0331357-42e6-4e40-bf0a-1c2f9464db1b"/>
-    <ds:schemaRef ds:uri="http://purl.org/dc/elements/1.1/"/>
-    <ds:schemaRef ds:uri="http://purl.org/dc/terms/"/>
-    <ds:schemaRef ds:uri="http://schemas.microsoft.com/internal/obd"/>
-    <ds:schemaRef ds:uri="http://schemas.microsoft.com/office/2006/documentManagement/types"/>
-    <ds:schemaRef ds:uri="http://schemas.microsoft.com/office/2006/metadata/contentType"/>
-    <ds:schemaRef ds:uri="http://schemas.microsoft.com/office/2006/metadata/properties"/>
-    <ds:schemaRef ds:uri="http://schemas.microsoft.com/office/2006/metadata/properties/metaAttributes"/>
-    <ds:schemaRef ds:uri="http://schemas.microsoft.com/office/infopath/2007/PartnerControls"/>
-    <ds:schemaRef ds:uri="http://schemas.openxmlformats.org/package/2006/metadata/core-properties"/>
-    <ds:schemaRef ds:uri="http://www.w3.org/2001/XMLSchema"/>
+    <ds:schemaRef ds:uri="http://schemas.microsoft.com/sharepoint/v3/contenttype/forms"/>
   </ds:schemaRefs>
 </ds:datastoreItem>
 </file>